--- a/Lecture Notes/Lecture 7 Notes.pptx
+++ b/Lecture Notes/Lecture 7 Notes.pptx
@@ -292,7 +292,7 @@
           <a:p>
             <a:fld id="{DC23C054-0FFA-4B24-9642-81ACD48FC7EF}" type="datetimeFigureOut">
               <a:rPr lang="en-US" smtClean="0"/>
-              <a:t>11/28/2021</a:t>
+              <a:t>11/29/2021</a:t>
             </a:fld>
             <a:endParaRPr lang="en-US" dirty="0"/>
           </a:p>
@@ -520,7 +520,7 @@
           <a:p>
             <a:fld id="{DC23C054-0FFA-4B24-9642-81ACD48FC7EF}" type="datetimeFigureOut">
               <a:rPr lang="en-US" smtClean="0"/>
-              <a:t>11/28/2021</a:t>
+              <a:t>11/29/2021</a:t>
             </a:fld>
             <a:endParaRPr lang="en-US" dirty="0"/>
           </a:p>
@@ -700,7 +700,7 @@
           <a:p>
             <a:fld id="{DC23C054-0FFA-4B24-9642-81ACD48FC7EF}" type="datetimeFigureOut">
               <a:rPr lang="en-US" smtClean="0"/>
-              <a:t>11/28/2021</a:t>
+              <a:t>11/29/2021</a:t>
             </a:fld>
             <a:endParaRPr lang="en-US" dirty="0"/>
           </a:p>
@@ -870,7 +870,7 @@
           <a:p>
             <a:fld id="{DC23C054-0FFA-4B24-9642-81ACD48FC7EF}" type="datetimeFigureOut">
               <a:rPr lang="en-US" smtClean="0"/>
-              <a:t>11/28/2021</a:t>
+              <a:t>11/29/2021</a:t>
             </a:fld>
             <a:endParaRPr lang="en-US" dirty="0"/>
           </a:p>
@@ -1124,7 +1124,7 @@
           <a:p>
             <a:fld id="{DC23C054-0FFA-4B24-9642-81ACD48FC7EF}" type="datetimeFigureOut">
               <a:rPr lang="en-US" smtClean="0"/>
-              <a:t>11/28/2021</a:t>
+              <a:t>11/29/2021</a:t>
             </a:fld>
             <a:endParaRPr lang="en-US" dirty="0"/>
           </a:p>
@@ -1450,7 +1450,7 @@
           <a:p>
             <a:fld id="{DC23C054-0FFA-4B24-9642-81ACD48FC7EF}" type="datetimeFigureOut">
               <a:rPr lang="en-US" smtClean="0"/>
-              <a:t>11/28/2021</a:t>
+              <a:t>11/29/2021</a:t>
             </a:fld>
             <a:endParaRPr lang="en-US" dirty="0"/>
           </a:p>
@@ -1901,7 +1901,7 @@
           <a:p>
             <a:fld id="{DC23C054-0FFA-4B24-9642-81ACD48FC7EF}" type="datetimeFigureOut">
               <a:rPr lang="en-US" smtClean="0"/>
-              <a:t>11/28/2021</a:t>
+              <a:t>11/29/2021</a:t>
             </a:fld>
             <a:endParaRPr lang="en-US" dirty="0"/>
           </a:p>
@@ -2019,7 +2019,7 @@
           <a:p>
             <a:fld id="{DC23C054-0FFA-4B24-9642-81ACD48FC7EF}" type="datetimeFigureOut">
               <a:rPr lang="en-US" smtClean="0"/>
-              <a:t>11/28/2021</a:t>
+              <a:t>11/29/2021</a:t>
             </a:fld>
             <a:endParaRPr lang="en-US" dirty="0"/>
           </a:p>
@@ -2114,7 +2114,7 @@
           <a:p>
             <a:fld id="{DC23C054-0FFA-4B24-9642-81ACD48FC7EF}" type="datetimeFigureOut">
               <a:rPr lang="en-US" smtClean="0"/>
-              <a:t>11/28/2021</a:t>
+              <a:t>11/29/2021</a:t>
             </a:fld>
             <a:endParaRPr lang="en-US" dirty="0"/>
           </a:p>
@@ -2401,7 +2401,7 @@
           <a:p>
             <a:fld id="{DC23C054-0FFA-4B24-9642-81ACD48FC7EF}" type="datetimeFigureOut">
               <a:rPr lang="en-US" smtClean="0"/>
-              <a:t>11/28/2021</a:t>
+              <a:t>11/29/2021</a:t>
             </a:fld>
             <a:endParaRPr lang="en-US" dirty="0"/>
           </a:p>
@@ -2722,7 +2722,7 @@
           <a:p>
             <a:fld id="{DC23C054-0FFA-4B24-9642-81ACD48FC7EF}" type="datetimeFigureOut">
               <a:rPr lang="en-US" smtClean="0"/>
-              <a:t>11/28/2021</a:t>
+              <a:t>11/29/2021</a:t>
             </a:fld>
             <a:endParaRPr lang="en-US" dirty="0"/>
           </a:p>
@@ -2976,7 +2976,7 @@
           <a:p>
             <a:fld id="{DC23C054-0FFA-4B24-9642-81ACD48FC7EF}" type="datetimeFigureOut">
               <a:rPr lang="en-US" smtClean="0"/>
-              <a:t>11/28/2021</a:t>
+              <a:t>11/29/2021</a:t>
             </a:fld>
             <a:endParaRPr lang="en-US" dirty="0"/>
           </a:p>
@@ -3834,8 +3834,8 @@
           </a:prstGeom>
         </p:spPr>
       </p:pic>
-      <mc:AlternateContent xmlns:mc="http://schemas.openxmlformats.org/markup-compatibility/2006">
-        <mc:Choice xmlns:a14="http://schemas.microsoft.com/office/drawing/2010/main" Requires="a14">
+      <mc:AlternateContent xmlns:mc="http://schemas.openxmlformats.org/markup-compatibility/2006" xmlns:a14="http://schemas.microsoft.com/office/drawing/2010/main">
+        <mc:Choice Requires="a14">
           <p:sp>
             <p:nvSpPr>
               <p:cNvPr id="3" name="Content Placeholder 2">
@@ -4118,7 +4118,7 @@
             </p:txBody>
           </p:sp>
         </mc:Choice>
-        <mc:Fallback>
+        <mc:Fallback xmlns="">
           <p:sp>
             <p:nvSpPr>
               <p:cNvPr id="3" name="Content Placeholder 2">
@@ -4459,8 +4459,8 @@
           </a:p>
         </p:txBody>
       </p:sp>
-      <mc:AlternateContent xmlns:mc="http://schemas.openxmlformats.org/markup-compatibility/2006">
-        <mc:Choice xmlns:a14="http://schemas.microsoft.com/office/drawing/2010/main" Requires="a14">
+      <mc:AlternateContent xmlns:mc="http://schemas.openxmlformats.org/markup-compatibility/2006" xmlns:a14="http://schemas.microsoft.com/office/drawing/2010/main">
+        <mc:Choice Requires="a14">
           <p:sp>
             <p:nvSpPr>
               <p:cNvPr id="3" name="Content Placeholder 2">
@@ -4670,7 +4670,7 @@
             </p:txBody>
           </p:sp>
         </mc:Choice>
-        <mc:Fallback>
+        <mc:Fallback xmlns="">
           <p:sp>
             <p:nvSpPr>
               <p:cNvPr id="3" name="Content Placeholder 2">
@@ -4774,8 +4774,8 @@
           </a:p>
         </p:txBody>
       </p:sp>
-      <mc:AlternateContent xmlns:mc="http://schemas.openxmlformats.org/markup-compatibility/2006">
-        <mc:Choice xmlns:a14="http://schemas.microsoft.com/office/drawing/2010/main" Requires="a14">
+      <mc:AlternateContent xmlns:mc="http://schemas.openxmlformats.org/markup-compatibility/2006" xmlns:a14="http://schemas.microsoft.com/office/drawing/2010/main">
+        <mc:Choice Requires="a14">
           <p:sp>
             <p:nvSpPr>
               <p:cNvPr id="3" name="Content Placeholder 2">
@@ -4960,7 +4960,7 @@
             </p:txBody>
           </p:sp>
         </mc:Choice>
-        <mc:Fallback>
+        <mc:Fallback xmlns="">
           <p:sp>
             <p:nvSpPr>
               <p:cNvPr id="3" name="Content Placeholder 2">
@@ -5122,8 +5122,8 @@
           </a:p>
         </p:txBody>
       </p:sp>
-      <mc:AlternateContent xmlns:mc="http://schemas.openxmlformats.org/markup-compatibility/2006">
-        <mc:Choice xmlns:a14="http://schemas.microsoft.com/office/drawing/2010/main" Requires="a14">
+      <mc:AlternateContent xmlns:mc="http://schemas.openxmlformats.org/markup-compatibility/2006" xmlns:a14="http://schemas.microsoft.com/office/drawing/2010/main">
+        <mc:Choice Requires="a14">
           <p:sp>
             <p:nvSpPr>
               <p:cNvPr id="3" name="Content Placeholder 2">
@@ -5254,7 +5254,7 @@
             </p:txBody>
           </p:sp>
         </mc:Choice>
-        <mc:Fallback>
+        <mc:Fallback xmlns="">
           <p:sp>
             <p:nvSpPr>
               <p:cNvPr id="3" name="Content Placeholder 2">
@@ -5416,8 +5416,8 @@
           </a:p>
         </p:txBody>
       </p:sp>
-      <mc:AlternateContent xmlns:mc="http://schemas.openxmlformats.org/markup-compatibility/2006">
-        <mc:Choice xmlns:a14="http://schemas.microsoft.com/office/drawing/2010/main" Requires="a14">
+      <mc:AlternateContent xmlns:mc="http://schemas.openxmlformats.org/markup-compatibility/2006" xmlns:a14="http://schemas.microsoft.com/office/drawing/2010/main">
+        <mc:Choice Requires="a14">
           <p:sp>
             <p:nvSpPr>
               <p:cNvPr id="3" name="Content Placeholder 2">
@@ -5710,7 +5710,7 @@
             </p:txBody>
           </p:sp>
         </mc:Choice>
-        <mc:Fallback>
+        <mc:Fallback xmlns="">
           <p:sp>
             <p:nvSpPr>
               <p:cNvPr id="3" name="Content Placeholder 2">
@@ -5843,8 +5843,8 @@
           </a:p>
         </p:txBody>
       </p:sp>
-      <mc:AlternateContent xmlns:mc="http://schemas.openxmlformats.org/markup-compatibility/2006">
-        <mc:Choice xmlns:a14="http://schemas.microsoft.com/office/drawing/2010/main" Requires="a14">
+      <mc:AlternateContent xmlns:mc="http://schemas.openxmlformats.org/markup-compatibility/2006" xmlns:a14="http://schemas.microsoft.com/office/drawing/2010/main">
+        <mc:Choice Requires="a14">
           <p:sp>
             <p:nvSpPr>
               <p:cNvPr id="3" name="Content Placeholder 2">
@@ -6137,7 +6137,7 @@
             </p:txBody>
           </p:sp>
         </mc:Choice>
-        <mc:Fallback>
+        <mc:Fallback xmlns="">
           <p:sp>
             <p:nvSpPr>
               <p:cNvPr id="3" name="Content Placeholder 2">
@@ -6270,8 +6270,8 @@
           </a:p>
         </p:txBody>
       </p:sp>
-      <mc:AlternateContent xmlns:mc="http://schemas.openxmlformats.org/markup-compatibility/2006">
-        <mc:Choice xmlns:a14="http://schemas.microsoft.com/office/drawing/2010/main" Requires="a14">
+      <mc:AlternateContent xmlns:mc="http://schemas.openxmlformats.org/markup-compatibility/2006" xmlns:a14="http://schemas.microsoft.com/office/drawing/2010/main">
+        <mc:Choice Requires="a14">
           <p:sp>
             <p:nvSpPr>
               <p:cNvPr id="3" name="Content Placeholder 2">
@@ -6418,7 +6418,7 @@
             </p:txBody>
           </p:sp>
         </mc:Choice>
-        <mc:Fallback>
+        <mc:Fallback xmlns="">
           <p:sp>
             <p:nvSpPr>
               <p:cNvPr id="3" name="Content Placeholder 2">
